--- a/src/_ppt/ch5.pptx
+++ b/src/_ppt/ch5.pptx
@@ -117,7 +117,7 @@
   </p:defaultTextStyle>
   <p:extLst>
     <p:ext uri="{EFAFB233-063F-42B5-8137-9DF3F51BA10A}">
-      <p15:sldGuideLst xmlns="" xmlns:p15="http://schemas.microsoft.com/office/powerpoint/2012/main">
+      <p15:sldGuideLst xmlns:p15="http://schemas.microsoft.com/office/powerpoint/2012/main" xmlns="">
         <p15:guide id="1" orient="horz" pos="2160">
           <p15:clr>
             <a:srgbClr val="A4A3A4"/>
@@ -131,7 +131,7 @@
       </p15:sldGuideLst>
     </p:ext>
     <p:ext uri="{2D200454-40CA-4A62-9FC3-DE9A4176ACB9}">
-      <p15:notesGuideLst xmlns="" xmlns:p15="http://schemas.microsoft.com/office/powerpoint/2012/main">
+      <p15:notesGuideLst xmlns:p15="http://schemas.microsoft.com/office/powerpoint/2012/main" xmlns="">
         <p15:guide id="1" orient="horz" pos="2880">
           <p15:clr>
             <a:srgbClr val="A4A3A4"/>
@@ -4901,7 +4901,6 @@
               <a:rPr lang="ko-KR" altLang="en-US" dirty="0"/>
               <a:t>턴</a:t>
             </a:r>
-            <a:endParaRPr lang="ko-KR" altLang="en-US" dirty="0"/>
           </a:p>
         </p:txBody>
       </p:sp>
@@ -4932,6 +4931,18 @@
               <a:rPr lang="ko-KR" altLang="en-US" sz="1600" dirty="0" smtClean="0"/>
               <a:t>패턴</a:t>
             </a:r>
+            <a:r>
+              <a:rPr lang="en-US" altLang="ko-KR" sz="1600" dirty="0" smtClean="0"/>
+              <a:t>(</a:t>
+            </a:r>
+            <a:r>
+              <a:rPr lang="en-US" altLang="ko-KR" sz="1600" dirty="0" err="1" smtClean="0"/>
+              <a:t>Ch</a:t>
+            </a:r>
+            <a:r>
+              <a:rPr lang="en-US" altLang="ko-KR" sz="1600" dirty="0" smtClean="0"/>
+              <a:t> 8)</a:t>
+            </a:r>
             <a:endParaRPr lang="en-US" altLang="ko-KR" sz="1600" dirty="0" smtClean="0"/>
           </a:p>
           <a:p>
@@ -4947,6 +4958,18 @@
               <a:rPr lang="ko-KR" altLang="en-US" sz="1600" dirty="0" smtClean="0"/>
               <a:t>패턴</a:t>
             </a:r>
+            <a:r>
+              <a:rPr lang="en-US" altLang="ko-KR" sz="1600" dirty="0" smtClean="0"/>
+              <a:t>(</a:t>
+            </a:r>
+            <a:r>
+              <a:rPr lang="en-US" altLang="ko-KR" sz="1600" dirty="0" err="1" smtClean="0"/>
+              <a:t>Ch</a:t>
+            </a:r>
+            <a:r>
+              <a:rPr lang="en-US" altLang="ko-KR" sz="1600" dirty="0" smtClean="0"/>
+              <a:t> 7)</a:t>
+            </a:r>
             <a:endParaRPr lang="en-US" altLang="ko-KR" sz="1600" dirty="0" smtClean="0"/>
           </a:p>
           <a:p>
@@ -4962,6 +4985,18 @@
               <a:rPr lang="ko-KR" altLang="en-US" sz="1600" dirty="0" smtClean="0"/>
               <a:t>패턴</a:t>
             </a:r>
+            <a:r>
+              <a:rPr lang="en-US" altLang="ko-KR" sz="1600" dirty="0" smtClean="0"/>
+              <a:t>(</a:t>
+            </a:r>
+            <a:r>
+              <a:rPr lang="en-US" altLang="ko-KR" sz="1600" dirty="0" err="1" smtClean="0"/>
+              <a:t>Ch</a:t>
+            </a:r>
+            <a:r>
+              <a:rPr lang="en-US" altLang="ko-KR" sz="1600" dirty="0" smtClean="0"/>
+              <a:t> 15)</a:t>
+            </a:r>
             <a:endParaRPr lang="en-US" altLang="ko-KR" sz="1600" dirty="0" smtClean="0"/>
           </a:p>
           <a:p>
@@ -4976,6 +5011,18 @@
             <a:r>
               <a:rPr lang="ko-KR" altLang="en-US" sz="1600" dirty="0" smtClean="0"/>
               <a:t>패턴</a:t>
+            </a:r>
+            <a:r>
+              <a:rPr lang="en-US" altLang="ko-KR" sz="1600" dirty="0" smtClean="0"/>
+              <a:t>(</a:t>
+            </a:r>
+            <a:r>
+              <a:rPr lang="en-US" altLang="ko-KR" sz="1600" dirty="0" err="1" smtClean="0"/>
+              <a:t>Ch</a:t>
+            </a:r>
+            <a:r>
+              <a:rPr lang="en-US" altLang="ko-KR" sz="1600" smtClean="0"/>
+              <a:t> 6)</a:t>
             </a:r>
             <a:endParaRPr lang="ko-KR" altLang="en-US" sz="1600" dirty="0"/>
           </a:p>
